--- a/RPA Training.pptx
+++ b/RPA Training.pptx
@@ -227,7 +227,7 @@
             <a:fld id="{D83FDC75-7F73-4A4A-A77C-09AADF00E0EA}" type="datetimeFigureOut">
               <a:rPr kumimoji="1" lang="en-US" altLang="ja-JP" smtClean="0"/>
               <a:pPr/>
-              <a:t>5/3/2018</a:t>
+              <a:t>5/7/2018</a:t>
             </a:fld>
             <a:endParaRPr kumimoji="1" lang="ja-JP" dirty="0"/>
           </a:p>
@@ -393,7 +393,7 @@
           <a:p>
             <a:fld id="{48AEF76B-3757-4A0B-AF93-28494465C1DD}" type="datetimeFigureOut">
               <a:pPr/>
-              <a:t>2018/5/3</a:t>
+              <a:t>2018/5/7</a:t>
             </a:fld>
             <a:endParaRPr kumimoji="1" lang="ja-JP"/>
           </a:p>
@@ -1715,7 +1715,7 @@
           <a:p>
             <a:fld id="{757B281C-5159-4971-8228-52B9A72E9ED2}" type="datetimeFigureOut">
               <a:pPr/>
-              <a:t>2018/5/3</a:t>
+              <a:t>2018/5/7</a:t>
             </a:fld>
             <a:endParaRPr kumimoji="0" lang="ja-JP"/>
           </a:p>
@@ -1815,7 +1815,7 @@
           <a:p>
             <a:fld id="{757B281C-5159-4971-8228-52B9A72E9ED2}" type="datetimeFigureOut">
               <a:pPr/>
-              <a:t>2018/5/3</a:t>
+              <a:t>2018/5/7</a:t>
             </a:fld>
             <a:endParaRPr kumimoji="0" lang="ja-JP"/>
           </a:p>
@@ -1949,7 +1949,7 @@
           <a:p>
             <a:fld id="{757B281C-5159-4971-8228-52B9A72E9ED2}" type="datetimeFigureOut">
               <a:pPr/>
-              <a:t>2018/5/3</a:t>
+              <a:t>2018/5/7</a:t>
             </a:fld>
             <a:endParaRPr kumimoji="0" lang="ja-JP"/>
           </a:p>
@@ -2152,7 +2152,7 @@
           <a:p>
             <a:fld id="{757B281C-5159-4971-8228-52B9A72E9ED2}" type="datetimeFigureOut">
               <a:pPr/>
-              <a:t>2018/5/3</a:t>
+              <a:t>2018/5/7</a:t>
             </a:fld>
             <a:endParaRPr kumimoji="0" lang="ja-JP"/>
           </a:p>
@@ -2579,7 +2579,7 @@
           <a:p>
             <a:fld id="{757B281C-5159-4971-8228-52B9A72E9ED2}" type="datetimeFigureOut">
               <a:pPr/>
-              <a:t>2018/5/3</a:t>
+              <a:t>2018/5/7</a:t>
             </a:fld>
             <a:endParaRPr kumimoji="0" lang="ja-JP"/>
           </a:p>
@@ -2942,7 +2942,7 @@
           <a:p>
             <a:fld id="{757B281C-5159-4971-8228-52B9A72E9ED2}" type="datetimeFigureOut">
               <a:pPr/>
-              <a:t>2018/5/3</a:t>
+              <a:t>2018/5/7</a:t>
             </a:fld>
             <a:endParaRPr kumimoji="0" lang="ja-JP"/>
           </a:p>
@@ -3434,7 +3434,7 @@
           <a:p>
             <a:fld id="{757B281C-5159-4971-8228-52B9A72E9ED2}" type="datetimeFigureOut">
               <a:pPr/>
-              <a:t>2018/5/3</a:t>
+              <a:t>2018/5/7</a:t>
             </a:fld>
             <a:endParaRPr kumimoji="0" lang="ja-JP"/>
           </a:p>
@@ -3742,7 +3742,7 @@
           <a:p>
             <a:fld id="{757B281C-5159-4971-8228-52B9A72E9ED2}" type="datetimeFigureOut">
               <a:pPr/>
-              <a:t>2018/5/3</a:t>
+              <a:t>2018/5/7</a:t>
             </a:fld>
             <a:endParaRPr kumimoji="0" lang="ja-JP"/>
           </a:p>
@@ -4006,7 +4006,7 @@
           <a:p>
             <a:fld id="{757B281C-5159-4971-8228-52B9A72E9ED2}" type="datetimeFigureOut">
               <a:pPr/>
-              <a:t>2018/5/3</a:t>
+              <a:t>2018/5/7</a:t>
             </a:fld>
             <a:endParaRPr kumimoji="0" lang="ja-JP"/>
           </a:p>
@@ -4207,7 +4207,7 @@
           <a:p>
             <a:fld id="{757B281C-5159-4971-8228-52B9A72E9ED2}" type="datetimeFigureOut">
               <a:pPr/>
-              <a:t>2018/5/3</a:t>
+              <a:t>2018/5/7</a:t>
             </a:fld>
             <a:endParaRPr kumimoji="0" lang="ja-JP"/>
           </a:p>
@@ -4418,7 +4418,7 @@
           <a:p>
             <a:fld id="{757B281C-5159-4971-8228-52B9A72E9ED2}" type="datetimeFigureOut">
               <a:pPr/>
-              <a:t>2018/5/3</a:t>
+              <a:t>2018/5/7</a:t>
             </a:fld>
             <a:endParaRPr kumimoji="0" lang="ja-JP"/>
           </a:p>
@@ -4691,7 +4691,7 @@
           <a:p>
             <a:fld id="{757B281C-5159-4971-8228-52B9A72E9ED2}" type="datetimeFigureOut">
               <a:pPr/>
-              <a:t>2018/5/3</a:t>
+              <a:t>2018/5/7</a:t>
             </a:fld>
             <a:endParaRPr kumimoji="0" lang="ja-JP"/>
           </a:p>
@@ -5194,20 +5194,6 @@
             <a:endParaRPr kumimoji="1" lang="en-US" altLang="zh-CN" sz="2400" dirty="0" smtClean="0">
               <a:latin typeface="+mn-lt"/>
             </a:endParaRPr>
-          </a:p>
-          <a:p>
-            <a:r>
-              <a:rPr kumimoji="1" lang="en-US" altLang="ja-JP" sz="2400" dirty="0" smtClean="0">
-                <a:latin typeface="+mn-lt"/>
-              </a:rPr>
-              <a:t>2018/05/03</a:t>
-            </a:r>
-            <a:r>
-              <a:rPr kumimoji="1" lang="en-US" altLang="ja-JP" sz="2400" dirty="0">
-                <a:latin typeface="+mn-lt"/>
-              </a:rPr>
-              <a:t>~ 2018/05/08</a:t>
-            </a:r>
           </a:p>
         </p:txBody>
       </p:sp>

--- a/RPA Training.pptx
+++ b/RPA Training.pptx
@@ -227,7 +227,7 @@
             <a:fld id="{D83FDC75-7F73-4A4A-A77C-09AADF00E0EA}" type="datetimeFigureOut">
               <a:rPr kumimoji="1" lang="en-US" altLang="ja-JP" smtClean="0"/>
               <a:pPr/>
-              <a:t>5/7/2018</a:t>
+              <a:t>5/8/2018</a:t>
             </a:fld>
             <a:endParaRPr kumimoji="1" lang="ja-JP" dirty="0"/>
           </a:p>
@@ -393,7 +393,7 @@
           <a:p>
             <a:fld id="{48AEF76B-3757-4A0B-AF93-28494465C1DD}" type="datetimeFigureOut">
               <a:pPr/>
-              <a:t>2018/5/7</a:t>
+              <a:t>2018/5/8</a:t>
             </a:fld>
             <a:endParaRPr kumimoji="1" lang="ja-JP"/>
           </a:p>
@@ -1715,7 +1715,7 @@
           <a:p>
             <a:fld id="{757B281C-5159-4971-8228-52B9A72E9ED2}" type="datetimeFigureOut">
               <a:pPr/>
-              <a:t>2018/5/7</a:t>
+              <a:t>2018/5/8</a:t>
             </a:fld>
             <a:endParaRPr kumimoji="0" lang="ja-JP"/>
           </a:p>
@@ -1815,7 +1815,7 @@
           <a:p>
             <a:fld id="{757B281C-5159-4971-8228-52B9A72E9ED2}" type="datetimeFigureOut">
               <a:pPr/>
-              <a:t>2018/5/7</a:t>
+              <a:t>2018/5/8</a:t>
             </a:fld>
             <a:endParaRPr kumimoji="0" lang="ja-JP"/>
           </a:p>
@@ -1949,7 +1949,7 @@
           <a:p>
             <a:fld id="{757B281C-5159-4971-8228-52B9A72E9ED2}" type="datetimeFigureOut">
               <a:pPr/>
-              <a:t>2018/5/7</a:t>
+              <a:t>2018/5/8</a:t>
             </a:fld>
             <a:endParaRPr kumimoji="0" lang="ja-JP"/>
           </a:p>
@@ -2152,7 +2152,7 @@
           <a:p>
             <a:fld id="{757B281C-5159-4971-8228-52B9A72E9ED2}" type="datetimeFigureOut">
               <a:pPr/>
-              <a:t>2018/5/7</a:t>
+              <a:t>2018/5/8</a:t>
             </a:fld>
             <a:endParaRPr kumimoji="0" lang="ja-JP"/>
           </a:p>
@@ -2579,7 +2579,7 @@
           <a:p>
             <a:fld id="{757B281C-5159-4971-8228-52B9A72E9ED2}" type="datetimeFigureOut">
               <a:pPr/>
-              <a:t>2018/5/7</a:t>
+              <a:t>2018/5/8</a:t>
             </a:fld>
             <a:endParaRPr kumimoji="0" lang="ja-JP"/>
           </a:p>
@@ -2942,7 +2942,7 @@
           <a:p>
             <a:fld id="{757B281C-5159-4971-8228-52B9A72E9ED2}" type="datetimeFigureOut">
               <a:pPr/>
-              <a:t>2018/5/7</a:t>
+              <a:t>2018/5/8</a:t>
             </a:fld>
             <a:endParaRPr kumimoji="0" lang="ja-JP"/>
           </a:p>
@@ -3434,7 +3434,7 @@
           <a:p>
             <a:fld id="{757B281C-5159-4971-8228-52B9A72E9ED2}" type="datetimeFigureOut">
               <a:pPr/>
-              <a:t>2018/5/7</a:t>
+              <a:t>2018/5/8</a:t>
             </a:fld>
             <a:endParaRPr kumimoji="0" lang="ja-JP"/>
           </a:p>
@@ -3742,7 +3742,7 @@
           <a:p>
             <a:fld id="{757B281C-5159-4971-8228-52B9A72E9ED2}" type="datetimeFigureOut">
               <a:pPr/>
-              <a:t>2018/5/7</a:t>
+              <a:t>2018/5/8</a:t>
             </a:fld>
             <a:endParaRPr kumimoji="0" lang="ja-JP"/>
           </a:p>
@@ -4006,7 +4006,7 @@
           <a:p>
             <a:fld id="{757B281C-5159-4971-8228-52B9A72E9ED2}" type="datetimeFigureOut">
               <a:pPr/>
-              <a:t>2018/5/7</a:t>
+              <a:t>2018/5/8</a:t>
             </a:fld>
             <a:endParaRPr kumimoji="0" lang="ja-JP"/>
           </a:p>
@@ -4207,7 +4207,7 @@
           <a:p>
             <a:fld id="{757B281C-5159-4971-8228-52B9A72E9ED2}" type="datetimeFigureOut">
               <a:pPr/>
-              <a:t>2018/5/7</a:t>
+              <a:t>2018/5/8</a:t>
             </a:fld>
             <a:endParaRPr kumimoji="0" lang="ja-JP"/>
           </a:p>
@@ -4418,7 +4418,7 @@
           <a:p>
             <a:fld id="{757B281C-5159-4971-8228-52B9A72E9ED2}" type="datetimeFigureOut">
               <a:pPr/>
-              <a:t>2018/5/7</a:t>
+              <a:t>2018/5/8</a:t>
             </a:fld>
             <a:endParaRPr kumimoji="0" lang="ja-JP"/>
           </a:p>
@@ -4691,7 +4691,7 @@
           <a:p>
             <a:fld id="{757B281C-5159-4971-8228-52B9A72E9ED2}" type="datetimeFigureOut">
               <a:pPr/>
-              <a:t>2018/5/7</a:t>
+              <a:t>2018/5/8</a:t>
             </a:fld>
             <a:endParaRPr kumimoji="0" lang="ja-JP"/>
           </a:p>
@@ -5162,38 +5162,6 @@
               <a:rPr kumimoji="1" lang="en-US" altLang="zh-CN" sz="4800" dirty="0" smtClean="0"/>
             </a:br>
             <a:endParaRPr kumimoji="1" lang="ja-JP" sz="4800" dirty="0"/>
-          </a:p>
-        </p:txBody>
-      </p:sp>
-      <p:sp>
-        <p:nvSpPr>
-          <p:cNvPr id="3" name="Subtitle 2"/>
-          <p:cNvSpPr>
-            <a:spLocks noGrp="1"/>
-          </p:cNvSpPr>
-          <p:nvPr>
-            <p:ph type="subTitle" idx="1"/>
-            <p:custDataLst>
-              <p:tags r:id="rId3"/>
-            </p:custDataLst>
-          </p:nvPr>
-        </p:nvSpPr>
-        <p:spPr/>
-        <p:txBody>
-          <a:bodyPr>
-            <a:normAutofit/>
-          </a:bodyPr>
-          <a:lstStyle/>
-          <a:p>
-            <a:r>
-              <a:rPr kumimoji="1" lang="zh-CN" altLang="en-US" sz="2400" dirty="0" smtClean="0">
-                <a:latin typeface="+mn-lt"/>
-              </a:rPr>
-              <a:t>孙立君</a:t>
-            </a:r>
-            <a:endParaRPr kumimoji="1" lang="en-US" altLang="zh-CN" sz="2400" dirty="0" smtClean="0">
-              <a:latin typeface="+mn-lt"/>
-            </a:endParaRPr>
           </a:p>
         </p:txBody>
       </p:sp>
@@ -8801,17 +8769,11 @@
 
 <file path=ppt/tags/tag10.xml><?xml version="1.0" encoding="utf-8"?>
 <p:tagLst xmlns:a="http://schemas.openxmlformats.org/drawingml/2006/main" xmlns:r="http://schemas.openxmlformats.org/officeDocument/2006/relationships" xmlns:p="http://schemas.openxmlformats.org/presentationml/2006/main">
-  <p:tag name="DVSECTIONID" val="gLLkbNYfJYmMS8cGCr6Zqx"/>
+  <p:tag name="DVSHAPEID" val="zvrdC8eV6YWWfpMhsRT8jq"/>
 </p:tagLst>
 </file>
 
 <file path=ppt/tags/tag11.xml><?xml version="1.0" encoding="utf-8"?>
-<p:tagLst xmlns:a="http://schemas.openxmlformats.org/drawingml/2006/main" xmlns:r="http://schemas.openxmlformats.org/officeDocument/2006/relationships" xmlns:p="http://schemas.openxmlformats.org/presentationml/2006/main">
-  <p:tag name="DVSHAPEID" val="zvrdC8eV6YWWfpMhsRT8jq"/>
-</p:tagLst>
-</file>
-
-<file path=ppt/tags/tag12.xml><?xml version="1.0" encoding="utf-8"?>
 <p:tagLst xmlns:a="http://schemas.openxmlformats.org/drawingml/2006/main" xmlns:r="http://schemas.openxmlformats.org/officeDocument/2006/relationships" xmlns:p="http://schemas.openxmlformats.org/presentationml/2006/main">
   <p:tag name="DVSHAPEID" val="Q5rpkfSAY2XQl9CRvNvPMK"/>
 </p:tagLst>
@@ -8825,25 +8787,25 @@
 
 <file path=ppt/tags/tag3.xml><?xml version="1.0" encoding="utf-8"?>
 <p:tagLst xmlns:a="http://schemas.openxmlformats.org/drawingml/2006/main" xmlns:r="http://schemas.openxmlformats.org/officeDocument/2006/relationships" xmlns:p="http://schemas.openxmlformats.org/presentationml/2006/main">
-  <p:tag name="DVSHAPEID" val="0uhWvCQomImT50qU5y4Znw"/>
+  <p:tag name="DVSECTIONID" val="QUq8QELArFIgadhH063fpq"/>
 </p:tagLst>
 </file>
 
 <file path=ppt/tags/tag4.xml><?xml version="1.0" encoding="utf-8"?>
 <p:tagLst xmlns:a="http://schemas.openxmlformats.org/drawingml/2006/main" xmlns:r="http://schemas.openxmlformats.org/officeDocument/2006/relationships" xmlns:p="http://schemas.openxmlformats.org/presentationml/2006/main">
-  <p:tag name="DVSECTIONID" val="QUq8QELArFIgadhH063fpq"/>
+  <p:tag name="DVSHAPEID" val="InkrlxYPS4jAzciXk8ToAM"/>
 </p:tagLst>
 </file>
 
 <file path=ppt/tags/tag5.xml><?xml version="1.0" encoding="utf-8"?>
 <p:tagLst xmlns:a="http://schemas.openxmlformats.org/drawingml/2006/main" xmlns:r="http://schemas.openxmlformats.org/officeDocument/2006/relationships" xmlns:p="http://schemas.openxmlformats.org/presentationml/2006/main">
-  <p:tag name="DVSHAPEID" val="InkrlxYPS4jAzciXk8ToAM"/>
+  <p:tag name="DVSHAPEID" val="retnMj4SFfqbVIhVK0Rf83"/>
 </p:tagLst>
 </file>
 
 <file path=ppt/tags/tag6.xml><?xml version="1.0" encoding="utf-8"?>
 <p:tagLst xmlns:a="http://schemas.openxmlformats.org/drawingml/2006/main" xmlns:r="http://schemas.openxmlformats.org/officeDocument/2006/relationships" xmlns:p="http://schemas.openxmlformats.org/presentationml/2006/main">
-  <p:tag name="DVSHAPEID" val="retnMj4SFfqbVIhVK0Rf83"/>
+  <p:tag name="DVSHAPEID" val="InkrlxYPS4jAzciXk8ToAM"/>
 </p:tagLst>
 </file>
 
@@ -8861,7 +8823,7 @@
 
 <file path=ppt/tags/tag9.xml><?xml version="1.0" encoding="utf-8"?>
 <p:tagLst xmlns:a="http://schemas.openxmlformats.org/drawingml/2006/main" xmlns:r="http://schemas.openxmlformats.org/officeDocument/2006/relationships" xmlns:p="http://schemas.openxmlformats.org/presentationml/2006/main">
-  <p:tag name="DVSHAPEID" val="InkrlxYPS4jAzciXk8ToAM"/>
+  <p:tag name="DVSECTIONID" val="gLLkbNYfJYmMS8cGCr6Zqx"/>
 </p:tagLst>
 </file>
 

--- a/RPA Training.pptx
+++ b/RPA Training.pptx
@@ -8604,7 +8604,7 @@
         </p:spPr>
         <p:txBody>
           <a:bodyPr vert="horz" lIns="91440" tIns="45720" rIns="91440" bIns="45720" rtlCol="0" anchor="b" anchorCtr="0">
-            <a:normAutofit fontScale="55000" lnSpcReduction="20000"/>
+            <a:normAutofit fontScale="62500" lnSpcReduction="20000"/>
           </a:bodyPr>
           <a:lstStyle>
             <a:lvl1pPr algn="l" defTabSz="914400" rtl="0" eaLnBrk="1" latinLnBrk="0" hangingPunct="1">
@@ -8670,38 +8670,16 @@
               <a:buChar char="•"/>
             </a:pPr>
             <a:r>
+              <a:rPr kumimoji="1" lang="en-US" altLang="zh-CN" dirty="0" smtClean="0"/>
+              <a:t>1</a:t>
+            </a:r>
+            <a:r>
               <a:rPr kumimoji="1" lang="zh-CN" altLang="en-US" dirty="0" smtClean="0"/>
-              <a:t>用状态机（</a:t>
-            </a:r>
-            <a:r>
-              <a:rPr kumimoji="1" lang="en-US" altLang="zh-CN" dirty="0" smtClean="0"/>
-              <a:t>state machine</a:t>
+              <a:t>个月内</a:t>
             </a:r>
             <a:r>
               <a:rPr kumimoji="1" lang="zh-CN" altLang="en-US" dirty="0" smtClean="0"/>
-              <a:t>）</a:t>
-            </a:r>
-            <a:endParaRPr kumimoji="1" lang="en-US" altLang="zh-CN" dirty="0" smtClean="0"/>
-          </a:p>
-          <a:p>
-            <a:pPr marL="571500" indent="-571500">
-              <a:buFont typeface="Arial" panose="020B0604020202020204" pitchFamily="34" charset="0"/>
-              <a:buChar char="•"/>
-            </a:pPr>
-            <a:r>
-              <a:rPr kumimoji="1" lang="zh-CN" altLang="en-US" dirty="0" smtClean="0"/>
-              <a:t>要有异常处理</a:t>
-            </a:r>
-            <a:endParaRPr kumimoji="1" lang="en-US" altLang="zh-CN" dirty="0" smtClean="0"/>
-          </a:p>
-          <a:p>
-            <a:pPr marL="571500" indent="-571500">
-              <a:buFont typeface="Arial" panose="020B0604020202020204" pitchFamily="34" charset="0"/>
-              <a:buChar char="•"/>
-            </a:pPr>
-            <a:r>
-              <a:rPr kumimoji="1" lang="zh-CN" altLang="en-US" dirty="0" smtClean="0"/>
-              <a:t>两周内完成</a:t>
+              <a:t>完成</a:t>
             </a:r>
             <a:endParaRPr kumimoji="1" lang="en-US" altLang="zh-CN" dirty="0" smtClean="0"/>
           </a:p>

--- a/RPA Training.pptx
+++ b/RPA Training.pptx
@@ -8625,7 +8625,7 @@
           <a:p>
             <a:r>
               <a:rPr kumimoji="1" lang="en-US" altLang="zh-CN" dirty="0" smtClean="0"/>
-              <a:t>WI1:</a:t>
+              <a:t>WI4:</a:t>
             </a:r>
             <a:r>
               <a:rPr kumimoji="1" lang="zh-CN" altLang="en-US" dirty="0" smtClean="0"/>
@@ -8675,11 +8675,7 @@
             </a:r>
             <a:r>
               <a:rPr kumimoji="1" lang="zh-CN" altLang="en-US" dirty="0" smtClean="0"/>
-              <a:t>个月内</a:t>
-            </a:r>
-            <a:r>
-              <a:rPr kumimoji="1" lang="zh-CN" altLang="en-US" dirty="0" smtClean="0"/>
-              <a:t>完成</a:t>
+              <a:t>个月内完成</a:t>
             </a:r>
             <a:endParaRPr kumimoji="1" lang="en-US" altLang="zh-CN" dirty="0" smtClean="0"/>
           </a:p>

--- a/RPA Training.pptx
+++ b/RPA Training.pptx
@@ -8675,7 +8675,15 @@
             </a:r>
             <a:r>
               <a:rPr kumimoji="1" lang="zh-CN" altLang="en-US" dirty="0" smtClean="0"/>
-              <a:t>个月内完成</a:t>
+              <a:t>周内完成（到</a:t>
+            </a:r>
+            <a:r>
+              <a:rPr kumimoji="1" lang="en-US" altLang="zh-CN" dirty="0" smtClean="0"/>
+              <a:t>5/11</a:t>
+            </a:r>
+            <a:r>
+              <a:rPr kumimoji="1" lang="zh-CN" altLang="en-US" dirty="0" smtClean="0"/>
+              <a:t>截止）</a:t>
             </a:r>
             <a:endParaRPr kumimoji="1" lang="en-US" altLang="zh-CN" dirty="0" smtClean="0"/>
           </a:p>
